--- a/Prezentacja/Automatyzacja procesu testowania hurtowni danych.pptx
+++ b/Prezentacja/Automatyzacja procesu testowania hurtowni danych.pptx
@@ -249,7 +249,7 @@
             <a:fld id="{C4843D26-F355-3844-A4EF-19D4FD875597}" type="datetimeFigureOut">
               <a:rPr lang="de-DE" smtClean="0"/>
               <a:pPr/>
-              <a:t>05.09.2016</a:t>
+              <a:t>06.09.2016</a:t>
             </a:fld>
             <a:endParaRPr lang="de-DE" dirty="0"/>
           </a:p>
@@ -417,7 +417,7 @@
             <a:fld id="{8E2CFE12-C1FB-D740-8B6C-AFB72D5D4002}" type="datetimeFigureOut">
               <a:rPr lang="de-DE" smtClean="0"/>
               <a:pPr/>
-              <a:t>05.09.2016</a:t>
+              <a:t>06.09.2016</a:t>
             </a:fld>
             <a:endParaRPr lang="de-DE" dirty="0"/>
           </a:p>
@@ -2938,7 +2938,7 @@
           <a:graphicData uri="http://schemas.openxmlformats.org/presentationml/2006/ole">
             <mc:AlternateContent xmlns:mc="http://schemas.openxmlformats.org/markup-compatibility/2006">
               <mc:Choice xmlns:v="urn:schemas-microsoft-com:vml" Requires="v">
-                <p:oleObj spid="_x0000_s2102" name="think-cell Folie" r:id="rId4" imgW="305" imgH="303" progId="TCLayout.ActiveDocument.1">
+                <p:oleObj spid="_x0000_s2103" name="think-cell Folie" r:id="rId4" imgW="305" imgH="303" progId="TCLayout.ActiveDocument.1">
                   <p:embed/>
                 </p:oleObj>
               </mc:Choice>
@@ -3352,7 +3352,7 @@
           <a:graphicData uri="http://schemas.openxmlformats.org/presentationml/2006/ole">
             <mc:AlternateContent xmlns:mc="http://schemas.openxmlformats.org/markup-compatibility/2006">
               <mc:Choice xmlns:v="urn:schemas-microsoft-com:vml" Requires="v">
-                <p:oleObj spid="_x0000_s1082" name="think-cell Folie" r:id="rId13" imgW="305" imgH="303" progId="TCLayout.ActiveDocument.1">
+                <p:oleObj spid="_x0000_s1083" name="think-cell Folie" r:id="rId13" imgW="305" imgH="303" progId="TCLayout.ActiveDocument.1">
                   <p:embed/>
                 </p:oleObj>
               </mc:Choice>
@@ -3660,7 +3660,7 @@
                   <a:srgbClr val="C8C8C8"/>
                 </a:solidFill>
               </a:rPr>
-              <a:t>5-Sep-16</a:t>
+              <a:t>6-Sep-16</a:t>
             </a:fld>
             <a:endParaRPr lang="de-DE" sz="800" dirty="0" smtClean="0">
               <a:solidFill>
@@ -4622,7 +4622,7 @@
         <p:spPr>
           <a:xfrm>
             <a:off x="861695" y="1552989"/>
-            <a:ext cx="6399318" cy="1762598"/>
+            <a:ext cx="6399318" cy="1159869"/>
           </a:xfrm>
         </p:spPr>
         <p:txBody>
@@ -4630,10 +4630,10 @@
           <a:lstStyle/>
           <a:p>
             <a:r>
-              <a:rPr lang="pl-PL" sz="3600" dirty="0"/>
+              <a:rPr lang="pl-PL" sz="3600" b="0" dirty="0"/>
               <a:t>Automatyzacja procesu testowania hurtowni danych</a:t>
             </a:r>
-            <a:endParaRPr lang="de-DE" sz="3600" dirty="0"/>
+            <a:endParaRPr lang="de-DE" sz="3600" b="0" dirty="0"/>
           </a:p>
         </p:txBody>
       </p:sp>
@@ -7147,50 +7147,6 @@
 </file>
 
 <file path=customXml/item2.xml><?xml version="1.0" encoding="utf-8"?>
-<p:properties xmlns:p="http://schemas.microsoft.com/office/2006/metadata/properties" xmlns:xsi="http://www.w3.org/2001/XMLSchema-instance" xmlns:pc="http://schemas.microsoft.com/office/infopath/2007/PartnerControls">
-  <documentManagement>
-    <_dlc_DocId xmlns="727178e8-9586-4f49-8e7b-77af9c2fb085">CVD5QAC74SYH-2-13943</_dlc_DocId>
-    <_dlc_DocIdUrl xmlns="727178e8-9586-4f49-8e7b-77af9c2fb085">
-      <Url>https://share.gft.com/sites/Corporate-Marketing/_layouts/DocIdRedir.aspx?ID=CVD5QAC74SYH-2-13943</Url>
-      <Description>CVD5QAC74SYH-2-13943</Description>
-    </_dlc_DocIdUrl>
-    <Functional_x0020_Area xmlns="e44e039f-c551-4112-981c-456f1b630ef1">Functional Area 1</Functional_x0020_Area>
-    <Reference_x0020_Title xmlns="e44e039f-c551-4112-981c-456f1b630ef1" xsi:nil="true"/>
-    <Area xmlns="e44e039f-c551-4112-981c-456f1b630ef1">Area 1</Area>
-    <Project_x0020_size_x0020__x0028_resources_x0029_ xmlns="e44e039f-c551-4112-981c-456f1b630ef1" xsi:nil="true"/>
-    <Comments xmlns="e44e039f-c551-4112-981c-456f1b630ef1" xsi:nil="true"/>
-    <Business_x0020_Sector xmlns="e44e039f-c551-4112-981c-456f1b630ef1">Banking</Business_x0020_Sector>
-    <Client_x0020_Category xmlns="e44e039f-c551-4112-981c-456f1b630ef1">Central</Client_x0020_Category>
-    <Methods_x0020_and_x0020_standards xmlns="e44e039f-c551-4112-981c-456f1b630ef1" xsi:nil="true"/>
-    <Responsible xmlns="e44e039f-c551-4112-981c-456f1b630ef1" xsi:nil="true"/>
-    <Client_x0020_Name xmlns="e44e039f-c551-4112-981c-456f1b630ef1" xsi:nil="true"/>
-    <Client_x0020_approval xmlns="e44e039f-c551-4112-981c-456f1b630ef1">No</Client_x0020_approval>
-    <Plattform_x0020__x0026__x0020_tools xmlns="e44e039f-c551-4112-981c-456f1b630ef1" xsi:nil="true"/>
-    <Project_x0020_ID xmlns="e44e039f-c551-4112-981c-456f1b630ef1" xsi:nil="true"/>
-    <Description0 xmlns="e44e039f-c551-4112-981c-456f1b630ef1" xsi:nil="true"/>
-    <Author_x0020__x002f__x0020_Contact xmlns="e44e039f-c551-4112-981c-456f1b630ef1">
-      <UserInfo>
-        <DisplayName/>
-        <AccountId xsi:nil="true"/>
-        <AccountType/>
-      </UserInfo>
-    </Author_x0020__x002f__x0020_Contact>
-    <Client_x0020_Country xmlns="e44e039f-c551-4112-981c-456f1b630ef1">Germany</Client_x0020_Country>
-    <Year xmlns="e44e039f-c551-4112-981c-456f1b630ef1" xsi:nil="true"/>
-  </documentManagement>
-</p:properties>
-</file>
-
-<file path=customXml/item3.xml><?xml version="1.0" encoding="utf-8"?>
-<?mso-contentType ?>
-<FormTemplates xmlns="http://schemas.microsoft.com/sharepoint/v3/contenttype/forms">
-  <Display>DocumentLibraryForm</Display>
-  <Edit>DocumentLibraryForm</Edit>
-  <New>DocumentLibraryForm</New>
-</FormTemplates>
-</file>
-
-<file path=customXml/item4.xml><?xml version="1.0" encoding="utf-8"?>
 <ct:contentTypeSchema xmlns:ct="http://schemas.microsoft.com/office/2006/metadata/contentType" xmlns:ma="http://schemas.microsoft.com/office/2006/metadata/properties/metaAttributes" ct:_="" ma:_="" ma:contentTypeName="Document" ma:contentTypeID="0x010100793B9935CA02AD4F90F0A0FD564FDD82" ma:contentTypeVersion="17" ma:contentTypeDescription="Create a new document." ma:contentTypeScope="" ma:versionID="6168266ad0b2c1ccdc9d2ae0268a5eb6">
   <xsd:schema xmlns:xsd="http://www.w3.org/2001/XMLSchema" xmlns:xs="http://www.w3.org/2001/XMLSchema" xmlns:p="http://schemas.microsoft.com/office/2006/metadata/properties" xmlns:ns2="e44e039f-c551-4112-981c-456f1b630ef1" xmlns:ns3="727178e8-9586-4f49-8e7b-77af9c2fb085" targetNamespace="http://schemas.microsoft.com/office/2006/metadata/properties" ma:root="true" ma:fieldsID="b9b29daf9bb73cd90369de1b0e977594" ns2:_="" ns3:_="">
     <xsd:import namespace="e44e039f-c551-4112-981c-456f1b630ef1"/>
@@ -7687,6 +7643,50 @@
 </ct:contentTypeSchema>
 </file>
 
+<file path=customXml/item3.xml><?xml version="1.0" encoding="utf-8"?>
+<?mso-contentType ?>
+<FormTemplates xmlns="http://schemas.microsoft.com/sharepoint/v3/contenttype/forms">
+  <Display>DocumentLibraryForm</Display>
+  <Edit>DocumentLibraryForm</Edit>
+  <New>DocumentLibraryForm</New>
+</FormTemplates>
+</file>
+
+<file path=customXml/item4.xml><?xml version="1.0" encoding="utf-8"?>
+<p:properties xmlns:p="http://schemas.microsoft.com/office/2006/metadata/properties" xmlns:xsi="http://www.w3.org/2001/XMLSchema-instance" xmlns:pc="http://schemas.microsoft.com/office/infopath/2007/PartnerControls">
+  <documentManagement>
+    <_dlc_DocId xmlns="727178e8-9586-4f49-8e7b-77af9c2fb085">CVD5QAC74SYH-2-13943</_dlc_DocId>
+    <_dlc_DocIdUrl xmlns="727178e8-9586-4f49-8e7b-77af9c2fb085">
+      <Url>https://share.gft.com/sites/Corporate-Marketing/_layouts/DocIdRedir.aspx?ID=CVD5QAC74SYH-2-13943</Url>
+      <Description>CVD5QAC74SYH-2-13943</Description>
+    </_dlc_DocIdUrl>
+    <Functional_x0020_Area xmlns="e44e039f-c551-4112-981c-456f1b630ef1">Functional Area 1</Functional_x0020_Area>
+    <Reference_x0020_Title xmlns="e44e039f-c551-4112-981c-456f1b630ef1" xsi:nil="true"/>
+    <Area xmlns="e44e039f-c551-4112-981c-456f1b630ef1">Area 1</Area>
+    <Project_x0020_size_x0020__x0028_resources_x0029_ xmlns="e44e039f-c551-4112-981c-456f1b630ef1" xsi:nil="true"/>
+    <Comments xmlns="e44e039f-c551-4112-981c-456f1b630ef1" xsi:nil="true"/>
+    <Business_x0020_Sector xmlns="e44e039f-c551-4112-981c-456f1b630ef1">Banking</Business_x0020_Sector>
+    <Client_x0020_Category xmlns="e44e039f-c551-4112-981c-456f1b630ef1">Central</Client_x0020_Category>
+    <Methods_x0020_and_x0020_standards xmlns="e44e039f-c551-4112-981c-456f1b630ef1" xsi:nil="true"/>
+    <Responsible xmlns="e44e039f-c551-4112-981c-456f1b630ef1" xsi:nil="true"/>
+    <Client_x0020_Name xmlns="e44e039f-c551-4112-981c-456f1b630ef1" xsi:nil="true"/>
+    <Client_x0020_approval xmlns="e44e039f-c551-4112-981c-456f1b630ef1">No</Client_x0020_approval>
+    <Plattform_x0020__x0026__x0020_tools xmlns="e44e039f-c551-4112-981c-456f1b630ef1" xsi:nil="true"/>
+    <Project_x0020_ID xmlns="e44e039f-c551-4112-981c-456f1b630ef1" xsi:nil="true"/>
+    <Description0 xmlns="e44e039f-c551-4112-981c-456f1b630ef1" xsi:nil="true"/>
+    <Author_x0020__x002f__x0020_Contact xmlns="e44e039f-c551-4112-981c-456f1b630ef1">
+      <UserInfo>
+        <DisplayName/>
+        <AccountId xsi:nil="true"/>
+        <AccountType/>
+      </UserInfo>
+    </Author_x0020__x002f__x0020_Contact>
+    <Client_x0020_Country xmlns="e44e039f-c551-4112-981c-456f1b630ef1">Germany</Client_x0020_Country>
+    <Year xmlns="e44e039f-c551-4112-981c-456f1b630ef1" xsi:nil="true"/>
+  </documentManagement>
+</p:properties>
+</file>
+
 <file path=customXml/itemProps1.xml><?xml version="1.0" encoding="utf-8"?>
 <ds:datastoreItem xmlns:ds="http://schemas.openxmlformats.org/officeDocument/2006/customXml" ds:itemID="{A6F3EA8F-EBA0-438A-80BD-6A96E2E10054}">
   <ds:schemaRefs>
@@ -7696,31 +7696,6 @@
 </file>
 
 <file path=customXml/itemProps2.xml><?xml version="1.0" encoding="utf-8"?>
-<ds:datastoreItem xmlns:ds="http://schemas.openxmlformats.org/officeDocument/2006/customXml" ds:itemID="{7445AAF4-B73F-4E3A-B9D2-4DDAE0F1BE8A}">
-  <ds:schemaRefs>
-    <ds:schemaRef ds:uri="http://www.w3.org/XML/1998/namespace"/>
-    <ds:schemaRef ds:uri="http://purl.org/dc/terms/"/>
-    <ds:schemaRef ds:uri="e44e039f-c551-4112-981c-456f1b630ef1"/>
-    <ds:schemaRef ds:uri="727178e8-9586-4f49-8e7b-77af9c2fb085"/>
-    <ds:schemaRef ds:uri="http://schemas.openxmlformats.org/package/2006/metadata/core-properties"/>
-    <ds:schemaRef ds:uri="http://purl.org/dc/elements/1.1/"/>
-    <ds:schemaRef ds:uri="http://schemas.microsoft.com/office/2006/documentManagement/types"/>
-    <ds:schemaRef ds:uri="http://schemas.microsoft.com/office/infopath/2007/PartnerControls"/>
-    <ds:schemaRef ds:uri="http://schemas.microsoft.com/office/2006/metadata/properties"/>
-    <ds:schemaRef ds:uri="http://purl.org/dc/dcmitype/"/>
-  </ds:schemaRefs>
-</ds:datastoreItem>
-</file>
-
-<file path=customXml/itemProps3.xml><?xml version="1.0" encoding="utf-8"?>
-<ds:datastoreItem xmlns:ds="http://schemas.openxmlformats.org/officeDocument/2006/customXml" ds:itemID="{9217953E-6BB7-40C6-9A84-608D0A8D65EC}">
-  <ds:schemaRefs>
-    <ds:schemaRef ds:uri="http://schemas.microsoft.com/sharepoint/v3/contenttype/forms"/>
-  </ds:schemaRefs>
-</ds:datastoreItem>
-</file>
-
-<file path=customXml/itemProps4.xml><?xml version="1.0" encoding="utf-8"?>
 <ds:datastoreItem xmlns:ds="http://schemas.openxmlformats.org/officeDocument/2006/customXml" ds:itemID="{54CA1130-EAC1-4116-82E4-DF5A51FE3AEA}">
   <ds:schemaRefs>
     <ds:schemaRef ds:uri="http://schemas.microsoft.com/office/2006/metadata/contentType"/>
@@ -7737,4 +7712,29 @@
     <ds:schemaRef ds:uri="http://schemas.microsoft.com/internal/obd"/>
   </ds:schemaRefs>
 </ds:datastoreItem>
+</file>
+
+<file path=customXml/itemProps3.xml><?xml version="1.0" encoding="utf-8"?>
+<ds:datastoreItem xmlns:ds="http://schemas.openxmlformats.org/officeDocument/2006/customXml" ds:itemID="{9217953E-6BB7-40C6-9A84-608D0A8D65EC}">
+  <ds:schemaRefs>
+    <ds:schemaRef ds:uri="http://schemas.microsoft.com/sharepoint/v3/contenttype/forms"/>
+  </ds:schemaRefs>
+</ds:datastoreItem>
+</file>
+
+<file path=customXml/itemProps4.xml><?xml version="1.0" encoding="utf-8"?>
+<ds:datastoreItem xmlns:ds="http://schemas.openxmlformats.org/officeDocument/2006/customXml" ds:itemID="{7445AAF4-B73F-4E3A-B9D2-4DDAE0F1BE8A}">
+  <ds:schemaRefs>
+    <ds:schemaRef ds:uri="http://www.w3.org/XML/1998/namespace"/>
+    <ds:schemaRef ds:uri="http://purl.org/dc/terms/"/>
+    <ds:schemaRef ds:uri="e44e039f-c551-4112-981c-456f1b630ef1"/>
+    <ds:schemaRef ds:uri="727178e8-9586-4f49-8e7b-77af9c2fb085"/>
+    <ds:schemaRef ds:uri="http://schemas.openxmlformats.org/package/2006/metadata/core-properties"/>
+    <ds:schemaRef ds:uri="http://purl.org/dc/elements/1.1/"/>
+    <ds:schemaRef ds:uri="http://schemas.microsoft.com/office/2006/documentManagement/types"/>
+    <ds:schemaRef ds:uri="http://schemas.microsoft.com/office/infopath/2007/PartnerControls"/>
+    <ds:schemaRef ds:uri="http://schemas.microsoft.com/office/2006/metadata/properties"/>
+    <ds:schemaRef ds:uri="http://purl.org/dc/dcmitype/"/>
+  </ds:schemaRefs>
+</ds:datastoreItem>
 </file>
--- a/Prezentacja/Automatyzacja procesu testowania hurtowni danych.pptx
+++ b/Prezentacja/Automatyzacja procesu testowania hurtowni danych.pptx
@@ -123,7 +123,7 @@
   </p:defaultTextStyle>
   <p:extLst>
     <p:ext uri="{EFAFB233-063F-42B5-8137-9DF3F51BA10A}">
-      <p15:sldGuideLst xmlns:p15="http://schemas.microsoft.com/office/powerpoint/2012/main">
+      <p15:sldGuideLst xmlns:p15="http://schemas.microsoft.com/office/powerpoint/2012/main" xmlns="">
         <p15:guide id="1" orient="horz" pos="1620">
           <p15:clr>
             <a:srgbClr val="A4A3A4"/>
@@ -325,7 +325,7 @@
     </p:spTree>
     <p:extLst>
       <p:ext uri="{BB962C8B-B14F-4D97-AF65-F5344CB8AC3E}">
-        <p14:creationId xmlns:p14="http://schemas.microsoft.com/office/powerpoint/2010/main" val="1863735379"/>
+        <p14:creationId xmlns:p14="http://schemas.microsoft.com/office/powerpoint/2010/main" xmlns="" val="1863735379"/>
       </p:ext>
     </p:extLst>
   </p:cSld>
@@ -586,7 +586,7 @@
     </p:spTree>
     <p:extLst>
       <p:ext uri="{BB962C8B-B14F-4D97-AF65-F5344CB8AC3E}">
-        <p14:creationId xmlns:p14="http://schemas.microsoft.com/office/powerpoint/2010/main" val="1832403913"/>
+        <p14:creationId xmlns:p14="http://schemas.microsoft.com/office/powerpoint/2010/main" xmlns="" val="1832403913"/>
       </p:ext>
     </p:extLst>
   </p:cSld>
@@ -764,7 +764,7 @@
     </p:spTree>
     <p:extLst>
       <p:ext uri="{BB962C8B-B14F-4D97-AF65-F5344CB8AC3E}">
-        <p14:creationId xmlns:p14="http://schemas.microsoft.com/office/powerpoint/2010/main" val="2988448480"/>
+        <p14:creationId xmlns:p14="http://schemas.microsoft.com/office/powerpoint/2010/main" xmlns="" val="2988448480"/>
       </p:ext>
     </p:extLst>
   </p:cSld>
@@ -851,7 +851,7 @@
     </p:spTree>
     <p:extLst>
       <p:ext uri="{BB962C8B-B14F-4D97-AF65-F5344CB8AC3E}">
-        <p14:creationId xmlns:p14="http://schemas.microsoft.com/office/powerpoint/2010/main" val="2157979943"/>
+        <p14:creationId xmlns:p14="http://schemas.microsoft.com/office/powerpoint/2010/main" xmlns="" val="2157979943"/>
       </p:ext>
     </p:extLst>
   </p:cSld>
@@ -938,7 +938,7 @@
     </p:spTree>
     <p:extLst>
       <p:ext uri="{BB962C8B-B14F-4D97-AF65-F5344CB8AC3E}">
-        <p14:creationId xmlns:p14="http://schemas.microsoft.com/office/powerpoint/2010/main" val="2918292104"/>
+        <p14:creationId xmlns:p14="http://schemas.microsoft.com/office/powerpoint/2010/main" xmlns="" val="2918292104"/>
       </p:ext>
     </p:extLst>
   </p:cSld>
@@ -1025,7 +1025,7 @@
     </p:spTree>
     <p:extLst>
       <p:ext uri="{BB962C8B-B14F-4D97-AF65-F5344CB8AC3E}">
-        <p14:creationId xmlns:p14="http://schemas.microsoft.com/office/powerpoint/2010/main" val="1195861527"/>
+        <p14:creationId xmlns:p14="http://schemas.microsoft.com/office/powerpoint/2010/main" xmlns="" val="1195861527"/>
       </p:ext>
     </p:extLst>
   </p:cSld>
@@ -1112,7 +1112,7 @@
     </p:spTree>
     <p:extLst>
       <p:ext uri="{BB962C8B-B14F-4D97-AF65-F5344CB8AC3E}">
-        <p14:creationId xmlns:p14="http://schemas.microsoft.com/office/powerpoint/2010/main" val="4153891689"/>
+        <p14:creationId xmlns:p14="http://schemas.microsoft.com/office/powerpoint/2010/main" xmlns="" val="4153891689"/>
       </p:ext>
     </p:extLst>
   </p:cSld>
@@ -1151,7 +1151,7 @@
           <a:blip r:embed="rId2">
             <a:extLst>
               <a:ext uri="{28A0092B-C50C-407E-A947-70E740481C1C}">
-                <a14:useLocalDpi xmlns:a14="http://schemas.microsoft.com/office/drawing/2010/main" val="0"/>
+                <a14:useLocalDpi xmlns:a14="http://schemas.microsoft.com/office/drawing/2010/main" xmlns="" val="0"/>
               </a:ext>
             </a:extLst>
           </a:blip>
@@ -1465,7 +1465,7 @@
           <a:blip r:embed="rId3">
             <a:extLst>
               <a:ext uri="{28A0092B-C50C-407E-A947-70E740481C1C}">
-                <a14:useLocalDpi xmlns:a14="http://schemas.microsoft.com/office/drawing/2010/main" val="0"/>
+                <a14:useLocalDpi xmlns:a14="http://schemas.microsoft.com/office/drawing/2010/main" xmlns="" val="0"/>
               </a:ext>
             </a:extLst>
           </a:blip>
@@ -1485,7 +1485,7 @@
           <a:noFill/>
           <a:extLst>
             <a:ext uri="{909E8E84-426E-40DD-AFC4-6F175D3DCCD1}">
-              <a14:hiddenFill xmlns:a14="http://schemas.microsoft.com/office/drawing/2010/main">
+              <a14:hiddenFill xmlns:a14="http://schemas.microsoft.com/office/drawing/2010/main" xmlns="">
                 <a:solidFill>
                   <a:srgbClr val="FFFFFF"/>
                 </a:solidFill>
@@ -1497,7 +1497,7 @@
     </p:spTree>
     <p:extLst>
       <p:ext uri="{BB962C8B-B14F-4D97-AF65-F5344CB8AC3E}">
-        <p14:creationId xmlns:p14="http://schemas.microsoft.com/office/powerpoint/2010/main" val="2032434000"/>
+        <p14:creationId xmlns:p14="http://schemas.microsoft.com/office/powerpoint/2010/main" xmlns="" val="2032434000"/>
       </p:ext>
     </p:extLst>
   </p:cSld>
@@ -1536,7 +1536,7 @@
           <a:blip r:embed="rId2">
             <a:extLst>
               <a:ext uri="{28A0092B-C50C-407E-A947-70E740481C1C}">
-                <a14:useLocalDpi xmlns:a14="http://schemas.microsoft.com/office/drawing/2010/main" val="0"/>
+                <a14:useLocalDpi xmlns:a14="http://schemas.microsoft.com/office/drawing/2010/main" xmlns="" val="0"/>
               </a:ext>
             </a:extLst>
           </a:blip>
@@ -1832,7 +1832,7 @@
           <a:blip r:embed="rId3">
             <a:extLst>
               <a:ext uri="{28A0092B-C50C-407E-A947-70E740481C1C}">
-                <a14:useLocalDpi xmlns:a14="http://schemas.microsoft.com/office/drawing/2010/main" val="0"/>
+                <a14:useLocalDpi xmlns:a14="http://schemas.microsoft.com/office/drawing/2010/main" xmlns="" val="0"/>
               </a:ext>
             </a:extLst>
           </a:blip>
@@ -1852,7 +1852,7 @@
           <a:noFill/>
           <a:extLst>
             <a:ext uri="{909E8E84-426E-40DD-AFC4-6F175D3DCCD1}">
-              <a14:hiddenFill xmlns:a14="http://schemas.microsoft.com/office/drawing/2010/main">
+              <a14:hiddenFill xmlns:a14="http://schemas.microsoft.com/office/drawing/2010/main" xmlns="">
                 <a:solidFill>
                   <a:srgbClr val="FFFFFF"/>
                 </a:solidFill>
@@ -1864,7 +1864,7 @@
     </p:spTree>
     <p:extLst>
       <p:ext uri="{BB962C8B-B14F-4D97-AF65-F5344CB8AC3E}">
-        <p14:creationId xmlns:p14="http://schemas.microsoft.com/office/powerpoint/2010/main" val="707728385"/>
+        <p14:creationId xmlns:p14="http://schemas.microsoft.com/office/powerpoint/2010/main" xmlns="" val="707728385"/>
       </p:ext>
     </p:extLst>
   </p:cSld>
@@ -1873,7 +1873,7 @@
   </p:clrMapOvr>
   <p:extLst mod="1">
     <p:ext uri="{DCECCB84-F9BA-43D5-87BE-67443E8EF086}">
-      <p15:sldGuideLst xmlns:p15="http://schemas.microsoft.com/office/powerpoint/2012/main">
+      <p15:sldGuideLst xmlns:p15="http://schemas.microsoft.com/office/powerpoint/2012/main" xmlns="">
         <p15:guide id="1" orient="horz" pos="1221">
           <p15:clr>
             <a:srgbClr val="C35EA4"/>
@@ -1914,7 +1914,7 @@
           <a:blip r:embed="rId2">
             <a:extLst>
               <a:ext uri="{28A0092B-C50C-407E-A947-70E740481C1C}">
-                <a14:useLocalDpi xmlns:a14="http://schemas.microsoft.com/office/drawing/2010/main" val="0"/>
+                <a14:useLocalDpi xmlns:a14="http://schemas.microsoft.com/office/drawing/2010/main" xmlns="" val="0"/>
               </a:ext>
             </a:extLst>
           </a:blip>
@@ -2165,7 +2165,7 @@
           <a:blip r:embed="rId3">
             <a:extLst>
               <a:ext uri="{28A0092B-C50C-407E-A947-70E740481C1C}">
-                <a14:useLocalDpi xmlns:a14="http://schemas.microsoft.com/office/drawing/2010/main" val="0"/>
+                <a14:useLocalDpi xmlns:a14="http://schemas.microsoft.com/office/drawing/2010/main" xmlns="" val="0"/>
               </a:ext>
             </a:extLst>
           </a:blip>
@@ -2185,7 +2185,7 @@
           <a:noFill/>
           <a:extLst>
             <a:ext uri="{909E8E84-426E-40DD-AFC4-6F175D3DCCD1}">
-              <a14:hiddenFill xmlns:a14="http://schemas.microsoft.com/office/drawing/2010/main">
+              <a14:hiddenFill xmlns:a14="http://schemas.microsoft.com/office/drawing/2010/main" xmlns="">
                 <a:solidFill>
                   <a:srgbClr val="FFFFFF"/>
                 </a:solidFill>
@@ -2197,7 +2197,7 @@
     </p:spTree>
     <p:extLst>
       <p:ext uri="{BB962C8B-B14F-4D97-AF65-F5344CB8AC3E}">
-        <p14:creationId xmlns:p14="http://schemas.microsoft.com/office/powerpoint/2010/main" val="3130113218"/>
+        <p14:creationId xmlns:p14="http://schemas.microsoft.com/office/powerpoint/2010/main" xmlns="" val="3130113218"/>
       </p:ext>
     </p:extLst>
   </p:cSld>
@@ -2206,7 +2206,7 @@
   </p:clrMapOvr>
   <p:extLst mod="1">
     <p:ext uri="{DCECCB84-F9BA-43D5-87BE-67443E8EF086}">
-      <p15:sldGuideLst xmlns:p15="http://schemas.microsoft.com/office/powerpoint/2012/main">
+      <p15:sldGuideLst xmlns:p15="http://schemas.microsoft.com/office/powerpoint/2012/main" xmlns="">
         <p15:guide id="1" orient="horz" pos="1221">
           <p15:clr>
             <a:srgbClr val="C35EA4"/>
@@ -2360,7 +2360,7 @@
     </p:spTree>
     <p:extLst>
       <p:ext uri="{BB962C8B-B14F-4D97-AF65-F5344CB8AC3E}">
-        <p14:creationId xmlns:p14="http://schemas.microsoft.com/office/powerpoint/2010/main" val="2626482632"/>
+        <p14:creationId xmlns:p14="http://schemas.microsoft.com/office/powerpoint/2010/main" xmlns="" val="2626482632"/>
       </p:ext>
     </p:extLst>
   </p:cSld>
@@ -2574,7 +2574,7 @@
     </p:spTree>
     <p:extLst>
       <p:ext uri="{BB962C8B-B14F-4D97-AF65-F5344CB8AC3E}">
-        <p14:creationId xmlns:p14="http://schemas.microsoft.com/office/powerpoint/2010/main" val="3371847988"/>
+        <p14:creationId xmlns:p14="http://schemas.microsoft.com/office/powerpoint/2010/main" xmlns="" val="3371847988"/>
       </p:ext>
     </p:extLst>
   </p:cSld>
@@ -2790,7 +2790,7 @@
     </p:spTree>
     <p:extLst>
       <p:ext uri="{BB962C8B-B14F-4D97-AF65-F5344CB8AC3E}">
-        <p14:creationId xmlns:p14="http://schemas.microsoft.com/office/powerpoint/2010/main" val="4208395069"/>
+        <p14:creationId xmlns:p14="http://schemas.microsoft.com/office/powerpoint/2010/main" xmlns="" val="4208395069"/>
       </p:ext>
     </p:extLst>
   </p:cSld>
@@ -2886,7 +2886,7 @@
     </p:spTree>
     <p:extLst>
       <p:ext uri="{BB962C8B-B14F-4D97-AF65-F5344CB8AC3E}">
-        <p14:creationId xmlns:p14="http://schemas.microsoft.com/office/powerpoint/2010/main" val="2097094422"/>
+        <p14:creationId xmlns:p14="http://schemas.microsoft.com/office/powerpoint/2010/main" xmlns="" val="2097094422"/>
       </p:ext>
     </p:extLst>
   </p:cSld>
@@ -2920,12 +2920,9 @@
             <a:graphicFrameLocks noChangeAspect="1"/>
           </p:cNvGraphicFramePr>
           <p:nvPr userDrawn="1">
-            <p:custDataLst>
-              <p:tags r:id="rId2"/>
-            </p:custDataLst>
             <p:extLst>
               <p:ext uri="{D42A27DB-BD31-4B8C-83A1-F6EECF244321}">
-                <p14:modId xmlns:p14="http://schemas.microsoft.com/office/powerpoint/2010/main" val="2766779821"/>
+                <p14:modId xmlns:p14="http://schemas.microsoft.com/office/powerpoint/2010/main" xmlns="" val="2766779821"/>
               </p:ext>
             </p:extLst>
           </p:nvPr>
@@ -2936,40 +2933,9 @@
         </p:xfrm>
         <a:graphic>
           <a:graphicData uri="http://schemas.openxmlformats.org/presentationml/2006/ole">
-            <mc:AlternateContent xmlns:mc="http://schemas.openxmlformats.org/markup-compatibility/2006">
-              <mc:Choice xmlns:v="urn:schemas-microsoft-com:vml" Requires="v">
-                <p:oleObj spid="_x0000_s2103" name="think-cell Folie" r:id="rId4" imgW="305" imgH="303" progId="TCLayout.ActiveDocument.1">
-                  <p:embed/>
-                </p:oleObj>
-              </mc:Choice>
-              <mc:Fallback>
-                <p:oleObj name="think-cell Folie" r:id="rId4" imgW="305" imgH="303" progId="TCLayout.ActiveDocument.1">
-                  <p:embed/>
-                  <p:pic>
-                    <p:nvPicPr>
-                      <p:cNvPr id="0" name=""/>
-                      <p:cNvPicPr/>
-                      <p:nvPr/>
-                    </p:nvPicPr>
-                    <p:blipFill>
-                      <a:blip r:embed="rId5"/>
-                      <a:stretch>
-                        <a:fillRect/>
-                      </a:stretch>
-                    </p:blipFill>
-                    <p:spPr>
-                      <a:xfrm>
-                        <a:off x="1588" y="1588"/>
-                        <a:ext cx="1587" cy="1587"/>
-                      </a:xfrm>
-                      <a:prstGeom prst="rect">
-                        <a:avLst/>
-                      </a:prstGeom>
-                    </p:spPr>
-                  </p:pic>
-                </p:oleObj>
-              </mc:Fallback>
-            </mc:AlternateContent>
+            <p:oleObj spid="_x0000_s2103" name="think-cell Folie" r:id="rId3" imgW="360" imgH="360" progId="">
+              <p:embed/>
+            </p:oleObj>
           </a:graphicData>
         </a:graphic>
       </p:graphicFrame>
@@ -2982,10 +2948,10 @@
           <p:nvPr userDrawn="1"/>
         </p:nvPicPr>
         <p:blipFill rotWithShape="1">
-          <a:blip r:embed="rId6">
+          <a:blip r:embed="rId4">
             <a:extLst>
               <a:ext uri="{28A0092B-C50C-407E-A947-70E740481C1C}">
-                <a14:useLocalDpi xmlns:a14="http://schemas.microsoft.com/office/drawing/2010/main" val="0"/>
+                <a14:useLocalDpi xmlns:a14="http://schemas.microsoft.com/office/drawing/2010/main" xmlns="" val="0"/>
               </a:ext>
             </a:extLst>
           </a:blip>
@@ -3219,10 +3185,10 @@
           <p:nvPr userDrawn="1"/>
         </p:nvPicPr>
         <p:blipFill>
-          <a:blip r:embed="rId7">
+          <a:blip r:embed="rId5">
             <a:extLst>
               <a:ext uri="{28A0092B-C50C-407E-A947-70E740481C1C}">
-                <a14:useLocalDpi xmlns:a14="http://schemas.microsoft.com/office/drawing/2010/main" val="0"/>
+                <a14:useLocalDpi xmlns:a14="http://schemas.microsoft.com/office/drawing/2010/main" xmlns="" val="0"/>
               </a:ext>
             </a:extLst>
           </a:blip>
@@ -3242,7 +3208,7 @@
           <a:noFill/>
           <a:extLst>
             <a:ext uri="{909E8E84-426E-40DD-AFC4-6F175D3DCCD1}">
-              <a14:hiddenFill xmlns:a14="http://schemas.microsoft.com/office/drawing/2010/main">
+              <a14:hiddenFill xmlns:a14="http://schemas.microsoft.com/office/drawing/2010/main" xmlns="">
                 <a:solidFill>
                   <a:srgbClr val="FFFFFF"/>
                 </a:solidFill>
@@ -3254,7 +3220,7 @@
     </p:spTree>
     <p:extLst>
       <p:ext uri="{BB962C8B-B14F-4D97-AF65-F5344CB8AC3E}">
-        <p14:creationId xmlns:p14="http://schemas.microsoft.com/office/powerpoint/2010/main" val="2060546820"/>
+        <p14:creationId xmlns:p14="http://schemas.microsoft.com/office/powerpoint/2010/main" xmlns="" val="2060546820"/>
       </p:ext>
     </p:extLst>
   </p:cSld>
@@ -3295,10 +3261,10 @@
           <p:nvPr/>
         </p:nvPicPr>
         <p:blipFill>
-          <a:blip r:embed="rId12">
+          <a:blip r:embed="rId11">
             <a:extLst>
               <a:ext uri="{28A0092B-C50C-407E-A947-70E740481C1C}">
-                <a14:useLocalDpi xmlns:a14="http://schemas.microsoft.com/office/drawing/2010/main" val="0"/>
+                <a14:useLocalDpi xmlns:a14="http://schemas.microsoft.com/office/drawing/2010/main" xmlns="" val="0"/>
               </a:ext>
             </a:extLst>
           </a:blip>
@@ -3318,7 +3284,7 @@
           <a:noFill/>
           <a:extLst>
             <a:ext uri="{909E8E84-426E-40DD-AFC4-6F175D3DCCD1}">
-              <a14:hiddenFill xmlns:a14="http://schemas.microsoft.com/office/drawing/2010/main">
+              <a14:hiddenFill xmlns:a14="http://schemas.microsoft.com/office/drawing/2010/main" xmlns="">
                 <a:solidFill>
                   <a:srgbClr val="FFFFFF"/>
                 </a:solidFill>
@@ -3334,12 +3300,9 @@
             <a:graphicFrameLocks noChangeAspect="1"/>
           </p:cNvGraphicFramePr>
           <p:nvPr>
-            <p:custDataLst>
-              <p:tags r:id="rId11"/>
-            </p:custDataLst>
             <p:extLst>
               <p:ext uri="{D42A27DB-BD31-4B8C-83A1-F6EECF244321}">
-                <p14:modId xmlns:p14="http://schemas.microsoft.com/office/powerpoint/2010/main" val="2610759032"/>
+                <p14:modId xmlns:p14="http://schemas.microsoft.com/office/powerpoint/2010/main" xmlns="" val="2610759032"/>
               </p:ext>
             </p:extLst>
           </p:nvPr>
@@ -3350,40 +3313,9 @@
         </p:xfrm>
         <a:graphic>
           <a:graphicData uri="http://schemas.openxmlformats.org/presentationml/2006/ole">
-            <mc:AlternateContent xmlns:mc="http://schemas.openxmlformats.org/markup-compatibility/2006">
-              <mc:Choice xmlns:v="urn:schemas-microsoft-com:vml" Requires="v">
-                <p:oleObj spid="_x0000_s1083" name="think-cell Folie" r:id="rId13" imgW="305" imgH="303" progId="TCLayout.ActiveDocument.1">
-                  <p:embed/>
-                </p:oleObj>
-              </mc:Choice>
-              <mc:Fallback>
-                <p:oleObj name="think-cell Folie" r:id="rId13" imgW="305" imgH="303" progId="TCLayout.ActiveDocument.1">
-                  <p:embed/>
-                  <p:pic>
-                    <p:nvPicPr>
-                      <p:cNvPr id="0" name=""/>
-                      <p:cNvPicPr/>
-                      <p:nvPr/>
-                    </p:nvPicPr>
-                    <p:blipFill>
-                      <a:blip r:embed="rId14"/>
-                      <a:stretch>
-                        <a:fillRect/>
-                      </a:stretch>
-                    </p:blipFill>
-                    <p:spPr>
-                      <a:xfrm>
-                        <a:off x="1588" y="1588"/>
-                        <a:ext cx="1587" cy="1587"/>
-                      </a:xfrm>
-                      <a:prstGeom prst="rect">
-                        <a:avLst/>
-                      </a:prstGeom>
-                    </p:spPr>
-                  </p:pic>
-                </p:oleObj>
-              </mc:Fallback>
-            </mc:AlternateContent>
+            <p:oleObj spid="_x0000_s1083" name="think-cell Folie" r:id="rId12" imgW="360" imgH="360" progId="">
+              <p:embed/>
+            </p:oleObj>
           </a:graphicData>
         </a:graphic>
       </p:graphicFrame>
@@ -3660,6 +3592,7 @@
                   <a:srgbClr val="C8C8C8"/>
                 </a:solidFill>
               </a:rPr>
+              <a:pPr algn="r" defTabSz="685800"/>
               <a:t>6-Sep-16</a:t>
             </a:fld>
             <a:endParaRPr lang="de-DE" sz="800" dirty="0" smtClean="0">
@@ -4238,7 +4171,7 @@
     </p:spTree>
     <p:extLst>
       <p:ext uri="{BB962C8B-B14F-4D97-AF65-F5344CB8AC3E}">
-        <p14:creationId xmlns:p14="http://schemas.microsoft.com/office/powerpoint/2010/main" val="2955847980"/>
+        <p14:creationId xmlns:p14="http://schemas.microsoft.com/office/powerpoint/2010/main" xmlns="" val="2955847980"/>
       </p:ext>
     </p:extLst>
   </p:cSld>
@@ -4550,7 +4483,7 @@
   </p:txStyles>
   <p:extLst mod="1">
     <p:ext uri="{27BBF7A9-308A-43DC-89C8-2F10F3537804}">
-      <p15:sldGuideLst xmlns:p15="http://schemas.microsoft.com/office/powerpoint/2012/main">
+      <p15:sldGuideLst xmlns:p15="http://schemas.microsoft.com/office/powerpoint/2012/main" xmlns="">
         <p15:guide id="1" pos="283">
           <p15:clr>
             <a:srgbClr val="FBAE40"/>
@@ -4691,7 +4624,7 @@
     </p:spTree>
     <p:extLst>
       <p:ext uri="{BB962C8B-B14F-4D97-AF65-F5344CB8AC3E}">
-        <p14:creationId xmlns:p14="http://schemas.microsoft.com/office/powerpoint/2010/main" val="3230101943"/>
+        <p14:creationId xmlns:p14="http://schemas.microsoft.com/office/powerpoint/2010/main" xmlns="" val="3230101943"/>
       </p:ext>
     </p:extLst>
   </p:cSld>
@@ -4855,7 +4788,7 @@
     </p:spTree>
     <p:extLst>
       <p:ext uri="{BB962C8B-B14F-4D97-AF65-F5344CB8AC3E}">
-        <p14:creationId xmlns:p14="http://schemas.microsoft.com/office/powerpoint/2010/main" val="1360512694"/>
+        <p14:creationId xmlns:p14="http://schemas.microsoft.com/office/powerpoint/2010/main" xmlns="" val="1360512694"/>
       </p:ext>
     </p:extLst>
   </p:cSld>
@@ -4920,7 +4853,7 @@
     </p:spTree>
     <p:extLst>
       <p:ext uri="{BB962C8B-B14F-4D97-AF65-F5344CB8AC3E}">
-        <p14:creationId xmlns:p14="http://schemas.microsoft.com/office/powerpoint/2010/main" val="3288618895"/>
+        <p14:creationId xmlns:p14="http://schemas.microsoft.com/office/powerpoint/2010/main" xmlns="" val="3288618895"/>
       </p:ext>
     </p:extLst>
   </p:cSld>
@@ -5033,7 +4966,7 @@
     </p:spTree>
     <p:extLst>
       <p:ext uri="{BB962C8B-B14F-4D97-AF65-F5344CB8AC3E}">
-        <p14:creationId xmlns:p14="http://schemas.microsoft.com/office/powerpoint/2010/main" val="3914792040"/>
+        <p14:creationId xmlns:p14="http://schemas.microsoft.com/office/powerpoint/2010/main" xmlns="" val="3914792040"/>
       </p:ext>
     </p:extLst>
   </p:cSld>
@@ -5110,7 +5043,7 @@
         </p:nvSpPr>
         <p:spPr>
           <a:xfrm>
-            <a:off x="786658" y="2799510"/>
+            <a:off x="786658" y="2624866"/>
             <a:ext cx="7710488" cy="1792810"/>
           </a:xfrm>
         </p:spPr>
@@ -5152,7 +5085,7 @@
     </p:spTree>
     <p:extLst>
       <p:ext uri="{BB962C8B-B14F-4D97-AF65-F5344CB8AC3E}">
-        <p14:creationId xmlns:p14="http://schemas.microsoft.com/office/powerpoint/2010/main" val="3273180808"/>
+        <p14:creationId xmlns:p14="http://schemas.microsoft.com/office/powerpoint/2010/main" xmlns="" val="3273180808"/>
       </p:ext>
     </p:extLst>
   </p:cSld>
@@ -5297,7 +5230,7 @@
     </p:spTree>
     <p:extLst>
       <p:ext uri="{BB962C8B-B14F-4D97-AF65-F5344CB8AC3E}">
-        <p14:creationId xmlns:p14="http://schemas.microsoft.com/office/powerpoint/2010/main" val="2510189318"/>
+        <p14:creationId xmlns:p14="http://schemas.microsoft.com/office/powerpoint/2010/main" xmlns="" val="2510189318"/>
       </p:ext>
     </p:extLst>
   </p:cSld>
@@ -5422,7 +5355,7 @@
     </p:spTree>
     <p:extLst>
       <p:ext uri="{BB962C8B-B14F-4D97-AF65-F5344CB8AC3E}">
-        <p14:creationId xmlns:p14="http://schemas.microsoft.com/office/powerpoint/2010/main" val="1521114118"/>
+        <p14:creationId xmlns:p14="http://schemas.microsoft.com/office/powerpoint/2010/main" xmlns="" val="1521114118"/>
       </p:ext>
     </p:extLst>
   </p:cSld>
@@ -5628,7 +5561,7 @@
     </p:spTree>
     <p:extLst>
       <p:ext uri="{BB962C8B-B14F-4D97-AF65-F5344CB8AC3E}">
-        <p14:creationId xmlns:p14="http://schemas.microsoft.com/office/powerpoint/2010/main" val="936415674"/>
+        <p14:creationId xmlns:p14="http://schemas.microsoft.com/office/powerpoint/2010/main" xmlns="" val="936415674"/>
       </p:ext>
     </p:extLst>
   </p:cSld>
@@ -5730,7 +5663,7 @@
           <a:blip r:embed="rId2">
             <a:extLst>
               <a:ext uri="{28A0092B-C50C-407E-A947-70E740481C1C}">
-                <a14:useLocalDpi xmlns:a14="http://schemas.microsoft.com/office/drawing/2010/main" val="0"/>
+                <a14:useLocalDpi xmlns:a14="http://schemas.microsoft.com/office/drawing/2010/main" xmlns="" val="0"/>
               </a:ext>
             </a:extLst>
           </a:blip>
@@ -5750,7 +5683,7 @@
           <a:noFill/>
           <a:extLst>
             <a:ext uri="{909E8E84-426E-40DD-AFC4-6F175D3DCCD1}">
-              <a14:hiddenFill xmlns:a14="http://schemas.microsoft.com/office/drawing/2010/main">
+              <a14:hiddenFill xmlns:a14="http://schemas.microsoft.com/office/drawing/2010/main" xmlns="">
                 <a:solidFill>
                   <a:srgbClr val="FFFFFF"/>
                 </a:solidFill>
@@ -5762,7 +5695,7 @@
     </p:spTree>
     <p:extLst>
       <p:ext uri="{BB962C8B-B14F-4D97-AF65-F5344CB8AC3E}">
-        <p14:creationId xmlns:p14="http://schemas.microsoft.com/office/powerpoint/2010/main" val="3340644689"/>
+        <p14:creationId xmlns:p14="http://schemas.microsoft.com/office/powerpoint/2010/main" xmlns="" val="3340644689"/>
       </p:ext>
     </p:extLst>
   </p:cSld>
@@ -5827,7 +5760,7 @@
     </p:spTree>
     <p:extLst>
       <p:ext uri="{BB962C8B-B14F-4D97-AF65-F5344CB8AC3E}">
-        <p14:creationId xmlns:p14="http://schemas.microsoft.com/office/powerpoint/2010/main" val="3278833833"/>
+        <p14:creationId xmlns:p14="http://schemas.microsoft.com/office/powerpoint/2010/main" xmlns="" val="3278833833"/>
       </p:ext>
     </p:extLst>
   </p:cSld>
@@ -5987,7 +5920,7 @@
     </p:spTree>
     <p:extLst>
       <p:ext uri="{BB962C8B-B14F-4D97-AF65-F5344CB8AC3E}">
-        <p14:creationId xmlns:p14="http://schemas.microsoft.com/office/powerpoint/2010/main" val="1299729297"/>
+        <p14:creationId xmlns:p14="http://schemas.microsoft.com/office/powerpoint/2010/main" xmlns="" val="1299729297"/>
       </p:ext>
     </p:extLst>
   </p:cSld>
@@ -6153,7 +6086,7 @@
     </p:spTree>
     <p:extLst>
       <p:ext uri="{BB962C8B-B14F-4D97-AF65-F5344CB8AC3E}">
-        <p14:creationId xmlns:p14="http://schemas.microsoft.com/office/powerpoint/2010/main" val="2874323306"/>
+        <p14:creationId xmlns:p14="http://schemas.microsoft.com/office/powerpoint/2010/main" xmlns="" val="2874323306"/>
       </p:ext>
     </p:extLst>
   </p:cSld>
@@ -6168,18 +6101,6 @@
     </p:tnLst>
   </p:timing>
 </p:sld>
-</file>
-
-<file path=ppt/tags/tag1.xml><?xml version="1.0" encoding="utf-8"?>
-<p:tagLst xmlns:a="http://schemas.openxmlformats.org/drawingml/2006/main" xmlns:r="http://schemas.openxmlformats.org/officeDocument/2006/relationships" xmlns:p="http://schemas.openxmlformats.org/presentationml/2006/main">
-  <p:tag name="THINKCELLSHAPEDONOTDELETE" val="thinkcellActiveDocDoNotDelete"/>
-</p:tagLst>
-</file>
-
-<file path=ppt/tags/tag2.xml><?xml version="1.0" encoding="utf-8"?>
-<p:tagLst xmlns:a="http://schemas.openxmlformats.org/drawingml/2006/main" xmlns:r="http://schemas.openxmlformats.org/officeDocument/2006/relationships" xmlns:p="http://schemas.openxmlformats.org/presentationml/2006/main">
-  <p:tag name="THINKCELLSHAPEDONOTDELETE" val="thinkcellActiveDocDoNotDelete"/>
-</p:tagLst>
 </file>
 
 <file path=ppt/theme/theme1.xml><?xml version="1.0" encoding="utf-8"?>
@@ -6454,7 +6375,7 @@
   <a:extraClrSchemeLst/>
   <a:extLst>
     <a:ext uri="{05A4C25C-085E-4340-85A3-A5531E510DB2}">
-      <thm15:themeFamily xmlns:thm15="http://schemas.microsoft.com/office/thememl/2012/main" name="GFT_Chartpool_2015.pptx" id="{A28C9458-9558-44C8-89F4-D7A2CBC04405}" vid="{0F156D25-70FA-498B-891B-4FDE46BF1046}"/>
+      <thm15:themeFamily xmlns:thm15="http://schemas.microsoft.com/office/thememl/2012/main" xmlns="" name="GFT_Chartpool_2015.pptx" id="{A28C9458-9558-44C8-89F4-D7A2CBC04405}" vid="{0F156D25-70FA-498B-891B-4FDE46BF1046}"/>
     </a:ext>
   </a:extLst>
 </a:theme>
@@ -7102,48 +7023,11 @@
 
 <file path=customXml/item1.xml><?xml version="1.0" encoding="utf-8"?>
 <?mso-contentType ?>
-<spe:Receivers xmlns:spe="http://schemas.microsoft.com/sharepoint/events">
-  <Receiver>
-    <Name>Document ID Generator</Name>
-    <Synchronization>Synchronous</Synchronization>
-    <Type>10001</Type>
-    <SequenceNumber>1000</SequenceNumber>
-    <Assembly>Microsoft.Office.DocumentManagement, Version=14.0.0.0, Culture=neutral, PublicKeyToken=71e9bce111e9429c</Assembly>
-    <Class>Microsoft.Office.DocumentManagement.Internal.DocIdHandler</Class>
-    <Data/>
-    <Filter/>
-  </Receiver>
-  <Receiver>
-    <Name>Document ID Generator</Name>
-    <Synchronization>Synchronous</Synchronization>
-    <Type>10002</Type>
-    <SequenceNumber>1001</SequenceNumber>
-    <Assembly>Microsoft.Office.DocumentManagement, Version=14.0.0.0, Culture=neutral, PublicKeyToken=71e9bce111e9429c</Assembly>
-    <Class>Microsoft.Office.DocumentManagement.Internal.DocIdHandler</Class>
-    <Data/>
-    <Filter/>
-  </Receiver>
-  <Receiver>
-    <Name>Document ID Generator</Name>
-    <Synchronization>Synchronous</Synchronization>
-    <Type>10004</Type>
-    <SequenceNumber>1002</SequenceNumber>
-    <Assembly>Microsoft.Office.DocumentManagement, Version=14.0.0.0, Culture=neutral, PublicKeyToken=71e9bce111e9429c</Assembly>
-    <Class>Microsoft.Office.DocumentManagement.Internal.DocIdHandler</Class>
-    <Data/>
-    <Filter/>
-  </Receiver>
-  <Receiver>
-    <Name>Document ID Generator</Name>
-    <Synchronization>Synchronous</Synchronization>
-    <Type>10006</Type>
-    <SequenceNumber>1003</SequenceNumber>
-    <Assembly>Microsoft.Office.DocumentManagement, Version=14.0.0.0, Culture=neutral, PublicKeyToken=71e9bce111e9429c</Assembly>
-    <Class>Microsoft.Office.DocumentManagement.Internal.DocIdHandler</Class>
-    <Data/>
-    <Filter/>
-  </Receiver>
-</spe:Receivers>
+<FormTemplates xmlns="http://schemas.microsoft.com/sharepoint/v3/contenttype/forms">
+  <Display>DocumentLibraryForm</Display>
+  <Edit>DocumentLibraryForm</Edit>
+  <New>DocumentLibraryForm</New>
+</FormTemplates>
 </file>
 
 <file path=customXml/item2.xml><?xml version="1.0" encoding="utf-8"?>
@@ -7645,11 +7529,48 @@
 
 <file path=customXml/item3.xml><?xml version="1.0" encoding="utf-8"?>
 <?mso-contentType ?>
-<FormTemplates xmlns="http://schemas.microsoft.com/sharepoint/v3/contenttype/forms">
-  <Display>DocumentLibraryForm</Display>
-  <Edit>DocumentLibraryForm</Edit>
-  <New>DocumentLibraryForm</New>
-</FormTemplates>
+<spe:Receivers xmlns:spe="http://schemas.microsoft.com/sharepoint/events">
+  <Receiver>
+    <Name>Document ID Generator</Name>
+    <Synchronization>Synchronous</Synchronization>
+    <Type>10001</Type>
+    <SequenceNumber>1000</SequenceNumber>
+    <Assembly>Microsoft.Office.DocumentManagement, Version=14.0.0.0, Culture=neutral, PublicKeyToken=71e9bce111e9429c</Assembly>
+    <Class>Microsoft.Office.DocumentManagement.Internal.DocIdHandler</Class>
+    <Data/>
+    <Filter/>
+  </Receiver>
+  <Receiver>
+    <Name>Document ID Generator</Name>
+    <Synchronization>Synchronous</Synchronization>
+    <Type>10002</Type>
+    <SequenceNumber>1001</SequenceNumber>
+    <Assembly>Microsoft.Office.DocumentManagement, Version=14.0.0.0, Culture=neutral, PublicKeyToken=71e9bce111e9429c</Assembly>
+    <Class>Microsoft.Office.DocumentManagement.Internal.DocIdHandler</Class>
+    <Data/>
+    <Filter/>
+  </Receiver>
+  <Receiver>
+    <Name>Document ID Generator</Name>
+    <Synchronization>Synchronous</Synchronization>
+    <Type>10004</Type>
+    <SequenceNumber>1002</SequenceNumber>
+    <Assembly>Microsoft.Office.DocumentManagement, Version=14.0.0.0, Culture=neutral, PublicKeyToken=71e9bce111e9429c</Assembly>
+    <Class>Microsoft.Office.DocumentManagement.Internal.DocIdHandler</Class>
+    <Data/>
+    <Filter/>
+  </Receiver>
+  <Receiver>
+    <Name>Document ID Generator</Name>
+    <Synchronization>Synchronous</Synchronization>
+    <Type>10006</Type>
+    <SequenceNumber>1003</SequenceNumber>
+    <Assembly>Microsoft.Office.DocumentManagement, Version=14.0.0.0, Culture=neutral, PublicKeyToken=71e9bce111e9429c</Assembly>
+    <Class>Microsoft.Office.DocumentManagement.Internal.DocIdHandler</Class>
+    <Data/>
+    <Filter/>
+  </Receiver>
+</spe:Receivers>
 </file>
 
 <file path=customXml/item4.xml><?xml version="1.0" encoding="utf-8"?>
@@ -7688,9 +7609,9 @@
 </file>
 
 <file path=customXml/itemProps1.xml><?xml version="1.0" encoding="utf-8"?>
-<ds:datastoreItem xmlns:ds="http://schemas.openxmlformats.org/officeDocument/2006/customXml" ds:itemID="{A6F3EA8F-EBA0-438A-80BD-6A96E2E10054}">
+<ds:datastoreItem xmlns:ds="http://schemas.openxmlformats.org/officeDocument/2006/customXml" ds:itemID="{9217953E-6BB7-40C6-9A84-608D0A8D65EC}">
   <ds:schemaRefs>
-    <ds:schemaRef ds:uri="http://schemas.microsoft.com/sharepoint/events"/>
+    <ds:schemaRef ds:uri="http://schemas.microsoft.com/sharepoint/v3/contenttype/forms"/>
   </ds:schemaRefs>
 </ds:datastoreItem>
 </file>
@@ -7715,9 +7636,9 @@
 </file>
 
 <file path=customXml/itemProps3.xml><?xml version="1.0" encoding="utf-8"?>
-<ds:datastoreItem xmlns:ds="http://schemas.openxmlformats.org/officeDocument/2006/customXml" ds:itemID="{9217953E-6BB7-40C6-9A84-608D0A8D65EC}">
+<ds:datastoreItem xmlns:ds="http://schemas.openxmlformats.org/officeDocument/2006/customXml" ds:itemID="{A6F3EA8F-EBA0-438A-80BD-6A96E2E10054}">
   <ds:schemaRefs>
-    <ds:schemaRef ds:uri="http://schemas.microsoft.com/sharepoint/v3/contenttype/forms"/>
+    <ds:schemaRef ds:uri="http://schemas.microsoft.com/sharepoint/events"/>
   </ds:schemaRefs>
 </ds:datastoreItem>
 </file>

--- a/Prezentacja/Automatyzacja procesu testowania hurtowni danych.pptx
+++ b/Prezentacja/Automatyzacja procesu testowania hurtowni danych.pptx
@@ -249,7 +249,7 @@
             <a:fld id="{C4843D26-F355-3844-A4EF-19D4FD875597}" type="datetimeFigureOut">
               <a:rPr lang="de-DE" smtClean="0"/>
               <a:pPr/>
-              <a:t>06.09.2016</a:t>
+              <a:t>07.09.2016</a:t>
             </a:fld>
             <a:endParaRPr lang="de-DE" dirty="0"/>
           </a:p>
@@ -417,7 +417,7 @@
             <a:fld id="{8E2CFE12-C1FB-D740-8B6C-AFB72D5D4002}" type="datetimeFigureOut">
               <a:rPr lang="de-DE" smtClean="0"/>
               <a:pPr/>
-              <a:t>06.09.2016</a:t>
+              <a:t>07.09.2016</a:t>
             </a:fld>
             <a:endParaRPr lang="de-DE" dirty="0"/>
           </a:p>
@@ -2938,7 +2938,7 @@
           <a:graphicData uri="http://schemas.openxmlformats.org/presentationml/2006/ole">
             <mc:AlternateContent xmlns:mc="http://schemas.openxmlformats.org/markup-compatibility/2006">
               <mc:Choice xmlns:v="urn:schemas-microsoft-com:vml" Requires="v">
-                <p:oleObj spid="_x0000_s2103" name="think-cell Folie" r:id="rId4" imgW="305" imgH="303" progId="TCLayout.ActiveDocument.1">
+                <p:oleObj spid="_x0000_s2105" name="think-cell Folie" r:id="rId4" imgW="305" imgH="303" progId="TCLayout.ActiveDocument.1">
                   <p:embed/>
                 </p:oleObj>
               </mc:Choice>
@@ -3352,7 +3352,7 @@
           <a:graphicData uri="http://schemas.openxmlformats.org/presentationml/2006/ole">
             <mc:AlternateContent xmlns:mc="http://schemas.openxmlformats.org/markup-compatibility/2006">
               <mc:Choice xmlns:v="urn:schemas-microsoft-com:vml" Requires="v">
-                <p:oleObj spid="_x0000_s1083" name="think-cell Folie" r:id="rId13" imgW="305" imgH="303" progId="TCLayout.ActiveDocument.1">
+                <p:oleObj spid="_x0000_s1085" name="think-cell Folie" r:id="rId13" imgW="305" imgH="303" progId="TCLayout.ActiveDocument.1">
                   <p:embed/>
                 </p:oleObj>
               </mc:Choice>
@@ -3660,7 +3660,7 @@
                   <a:srgbClr val="C8C8C8"/>
                 </a:solidFill>
               </a:rPr>
-              <a:t>6-Sep-16</a:t>
+              <a:t>7-Sep-16</a:t>
             </a:fld>
             <a:endParaRPr lang="de-DE" sz="800" dirty="0" smtClean="0">
               <a:solidFill>
@@ -5110,7 +5110,7 @@
         </p:nvSpPr>
         <p:spPr>
           <a:xfrm>
-            <a:off x="786658" y="2799510"/>
+            <a:off x="786658" y="2569217"/>
             <a:ext cx="7710488" cy="1792810"/>
           </a:xfrm>
         </p:spPr>
@@ -5885,14 +5885,46 @@
           <a:p>
             <a:r>
               <a:rPr lang="pl-PL" sz="2800" dirty="0"/>
-              <a:t> Ekstrakcja</a:t>
-            </a:r>
+              <a:t> </a:t>
+            </a:r>
+            <a:r>
+              <a:rPr lang="pl-PL" sz="2800" dirty="0" smtClean="0"/>
+              <a:t>Ekstrakcja</a:t>
+            </a:r>
+          </a:p>
+          <a:p>
+            <a:r>
+              <a:rPr lang="pl-PL" sz="2800" dirty="0" smtClean="0"/>
+              <a:t> Transformacja</a:t>
+            </a:r>
+          </a:p>
+          <a:p>
+            <a:r>
+              <a:rPr lang="pl-PL" sz="2800" dirty="0" smtClean="0"/>
+              <a:t> Ładowanie</a:t>
+            </a:r>
+            <a:endParaRPr lang="pl-PL" sz="2800" dirty="0"/>
           </a:p>
           <a:p>
             <a:r>
               <a:rPr lang="pl-PL" sz="2800" dirty="0"/>
-              <a:t> Filtrowanie</a:t>
-            </a:r>
+              <a:t> </a:t>
+            </a:r>
+            <a:r>
+              <a:rPr lang="pl-PL" sz="2800" dirty="0" smtClean="0"/>
+              <a:t>Filtrowanie</a:t>
+            </a:r>
+          </a:p>
+          <a:p>
+            <a:r>
+              <a:rPr lang="pl-PL" sz="2800" dirty="0"/>
+              <a:t> </a:t>
+            </a:r>
+            <a:r>
+              <a:rPr lang="pl-PL" sz="2800" dirty="0" smtClean="0"/>
+              <a:t>Agregowanie</a:t>
+            </a:r>
+            <a:endParaRPr lang="pl-PL" sz="2800" dirty="0"/>
           </a:p>
           <a:p>
             <a:r>
@@ -5901,13 +5933,7 @@
             </a:r>
           </a:p>
           <a:p>
-            <a:r>
-              <a:rPr lang="pl-PL" sz="2800" dirty="0"/>
-              <a:t> Agregowanie</a:t>
-            </a:r>
-          </a:p>
-          <a:p>
-            <a:pPr marL="179388" lvl="1" indent="0">
+            <a:pPr marL="0" indent="0">
               <a:buNone/>
             </a:pPr>
             <a:endParaRPr lang="en-GB" altLang="de-DE" dirty="0" smtClean="0"/>
